--- a/6.CICD/2.CICD jenkins/Installation et configuration de Jenkins.pptx
+++ b/6.CICD/2.CICD jenkins/Installation et configuration de Jenkins.pptx
@@ -244,7 +244,7 @@
           <a:p>
             <a:fld id="{7119686D-C191-4786-9794-C7C6B779A858}" type="datetimeFigureOut">
               <a:rPr lang="fr-FR" smtClean="0"/>
-              <a:t>05/10/2025</a:t>
+              <a:t>20/12/2025</a:t>
             </a:fld>
             <a:endParaRPr lang="fr-FR"/>
           </a:p>
@@ -27295,7 +27295,7 @@
           <a:p>
             <a:fld id="{F233D1D7-325F-46D8-B3AF-5D2A9231722A}" type="datetimeFigureOut">
               <a:rPr lang="fr-FR" smtClean="0"/>
-              <a:t>05/10/2025</a:t>
+              <a:t>20/12/2025</a:t>
             </a:fld>
             <a:endParaRPr lang="fr-FR"/>
           </a:p>
@@ -27465,7 +27465,7 @@
           <a:p>
             <a:fld id="{F233D1D7-325F-46D8-B3AF-5D2A9231722A}" type="datetimeFigureOut">
               <a:rPr lang="fr-FR" smtClean="0"/>
-              <a:t>05/10/2025</a:t>
+              <a:t>20/12/2025</a:t>
             </a:fld>
             <a:endParaRPr lang="fr-FR"/>
           </a:p>
@@ -27645,7 +27645,7 @@
           <a:p>
             <a:fld id="{F233D1D7-325F-46D8-B3AF-5D2A9231722A}" type="datetimeFigureOut">
               <a:rPr lang="fr-FR" smtClean="0"/>
-              <a:t>05/10/2025</a:t>
+              <a:t>20/12/2025</a:t>
             </a:fld>
             <a:endParaRPr lang="fr-FR"/>
           </a:p>
@@ -27815,7 +27815,7 @@
           <a:p>
             <a:fld id="{F233D1D7-325F-46D8-B3AF-5D2A9231722A}" type="datetimeFigureOut">
               <a:rPr lang="fr-FR" smtClean="0"/>
-              <a:t>05/10/2025</a:t>
+              <a:t>20/12/2025</a:t>
             </a:fld>
             <a:endParaRPr lang="fr-FR"/>
           </a:p>
@@ -28061,7 +28061,7 @@
           <a:p>
             <a:fld id="{F233D1D7-325F-46D8-B3AF-5D2A9231722A}" type="datetimeFigureOut">
               <a:rPr lang="fr-FR" smtClean="0"/>
-              <a:t>05/10/2025</a:t>
+              <a:t>20/12/2025</a:t>
             </a:fld>
             <a:endParaRPr lang="fr-FR"/>
           </a:p>
@@ -28293,7 +28293,7 @@
           <a:p>
             <a:fld id="{F233D1D7-325F-46D8-B3AF-5D2A9231722A}" type="datetimeFigureOut">
               <a:rPr lang="fr-FR" smtClean="0"/>
-              <a:t>05/10/2025</a:t>
+              <a:t>20/12/2025</a:t>
             </a:fld>
             <a:endParaRPr lang="fr-FR"/>
           </a:p>
@@ -28660,7 +28660,7 @@
           <a:p>
             <a:fld id="{F233D1D7-325F-46D8-B3AF-5D2A9231722A}" type="datetimeFigureOut">
               <a:rPr lang="fr-FR" smtClean="0"/>
-              <a:t>05/10/2025</a:t>
+              <a:t>20/12/2025</a:t>
             </a:fld>
             <a:endParaRPr lang="fr-FR"/>
           </a:p>
@@ -28778,7 +28778,7 @@
           <a:p>
             <a:fld id="{F233D1D7-325F-46D8-B3AF-5D2A9231722A}" type="datetimeFigureOut">
               <a:rPr lang="fr-FR" smtClean="0"/>
-              <a:t>05/10/2025</a:t>
+              <a:t>20/12/2025</a:t>
             </a:fld>
             <a:endParaRPr lang="fr-FR"/>
           </a:p>
@@ -28873,7 +28873,7 @@
           <a:p>
             <a:fld id="{F233D1D7-325F-46D8-B3AF-5D2A9231722A}" type="datetimeFigureOut">
               <a:rPr lang="fr-FR" smtClean="0"/>
-              <a:t>05/10/2025</a:t>
+              <a:t>20/12/2025</a:t>
             </a:fld>
             <a:endParaRPr lang="fr-FR"/>
           </a:p>
@@ -29150,7 +29150,7 @@
           <a:p>
             <a:fld id="{F233D1D7-325F-46D8-B3AF-5D2A9231722A}" type="datetimeFigureOut">
               <a:rPr lang="fr-FR" smtClean="0"/>
-              <a:t>05/10/2025</a:t>
+              <a:t>20/12/2025</a:t>
             </a:fld>
             <a:endParaRPr lang="fr-FR"/>
           </a:p>
@@ -29403,7 +29403,7 @@
           <a:p>
             <a:fld id="{F233D1D7-325F-46D8-B3AF-5D2A9231722A}" type="datetimeFigureOut">
               <a:rPr lang="fr-FR" smtClean="0"/>
-              <a:t>05/10/2025</a:t>
+              <a:t>20/12/2025</a:t>
             </a:fld>
             <a:endParaRPr lang="fr-FR"/>
           </a:p>
@@ -29616,7 +29616,7 @@
           <a:p>
             <a:fld id="{F233D1D7-325F-46D8-B3AF-5D2A9231722A}" type="datetimeFigureOut">
               <a:rPr lang="fr-FR" smtClean="0"/>
-              <a:t>05/10/2025</a:t>
+              <a:t>20/12/2025</a:t>
             </a:fld>
             <a:endParaRPr lang="fr-FR"/>
           </a:p>
